--- a/二評文件/二評雜項/PP. 6-1資料流程圖.pptx
+++ b/二評文件/二評雜項/PP. 6-1資料流程圖.pptx
@@ -5,7 +5,8 @@
     <p:sldMasterId id="2147483648" r:id="rId1"/>
   </p:sldMasterIdLst>
   <p:sldIdLst>
-    <p:sldId id="258" r:id="rId2"/>
+    <p:sldId id="259" r:id="rId2"/>
+    <p:sldId id="258" r:id="rId3"/>
   </p:sldIdLst>
   <p:sldSz cx="12192000" cy="6858000"/>
   <p:notesSz cx="6858000" cy="9144000"/>
@@ -259,7 +260,7 @@
           <a:p>
             <a:fld id="{77ACA44C-333E-48CC-BD68-D0D0E6E5B1EF}" type="datetimeFigureOut">
               <a:rPr lang="zh-TW" altLang="en-US" smtClean="0"/>
-              <a:t>2020/3/30</a:t>
+              <a:t>2020/5/18</a:t>
             </a:fld>
             <a:endParaRPr lang="zh-TW" altLang="en-US"/>
           </a:p>
@@ -457,7 +458,7 @@
           <a:p>
             <a:fld id="{77ACA44C-333E-48CC-BD68-D0D0E6E5B1EF}" type="datetimeFigureOut">
               <a:rPr lang="zh-TW" altLang="en-US" smtClean="0"/>
-              <a:t>2020/3/30</a:t>
+              <a:t>2020/5/18</a:t>
             </a:fld>
             <a:endParaRPr lang="zh-TW" altLang="en-US"/>
           </a:p>
@@ -665,7 +666,7 @@
           <a:p>
             <a:fld id="{77ACA44C-333E-48CC-BD68-D0D0E6E5B1EF}" type="datetimeFigureOut">
               <a:rPr lang="zh-TW" altLang="en-US" smtClean="0"/>
-              <a:t>2020/3/30</a:t>
+              <a:t>2020/5/18</a:t>
             </a:fld>
             <a:endParaRPr lang="zh-TW" altLang="en-US"/>
           </a:p>
@@ -863,7 +864,7 @@
           <a:p>
             <a:fld id="{77ACA44C-333E-48CC-BD68-D0D0E6E5B1EF}" type="datetimeFigureOut">
               <a:rPr lang="zh-TW" altLang="en-US" smtClean="0"/>
-              <a:t>2020/3/30</a:t>
+              <a:t>2020/5/18</a:t>
             </a:fld>
             <a:endParaRPr lang="zh-TW" altLang="en-US"/>
           </a:p>
@@ -1138,7 +1139,7 @@
           <a:p>
             <a:fld id="{77ACA44C-333E-48CC-BD68-D0D0E6E5B1EF}" type="datetimeFigureOut">
               <a:rPr lang="zh-TW" altLang="en-US" smtClean="0"/>
-              <a:t>2020/3/30</a:t>
+              <a:t>2020/5/18</a:t>
             </a:fld>
             <a:endParaRPr lang="zh-TW" altLang="en-US"/>
           </a:p>
@@ -1403,7 +1404,7 @@
           <a:p>
             <a:fld id="{77ACA44C-333E-48CC-BD68-D0D0E6E5B1EF}" type="datetimeFigureOut">
               <a:rPr lang="zh-TW" altLang="en-US" smtClean="0"/>
-              <a:t>2020/3/30</a:t>
+              <a:t>2020/5/18</a:t>
             </a:fld>
             <a:endParaRPr lang="zh-TW" altLang="en-US"/>
           </a:p>
@@ -1815,7 +1816,7 @@
           <a:p>
             <a:fld id="{77ACA44C-333E-48CC-BD68-D0D0E6E5B1EF}" type="datetimeFigureOut">
               <a:rPr lang="zh-TW" altLang="en-US" smtClean="0"/>
-              <a:t>2020/3/30</a:t>
+              <a:t>2020/5/18</a:t>
             </a:fld>
             <a:endParaRPr lang="zh-TW" altLang="en-US"/>
           </a:p>
@@ -1956,7 +1957,7 @@
           <a:p>
             <a:fld id="{77ACA44C-333E-48CC-BD68-D0D0E6E5B1EF}" type="datetimeFigureOut">
               <a:rPr lang="zh-TW" altLang="en-US" smtClean="0"/>
-              <a:t>2020/3/30</a:t>
+              <a:t>2020/5/18</a:t>
             </a:fld>
             <a:endParaRPr lang="zh-TW" altLang="en-US"/>
           </a:p>
@@ -2069,7 +2070,7 @@
           <a:p>
             <a:fld id="{77ACA44C-333E-48CC-BD68-D0D0E6E5B1EF}" type="datetimeFigureOut">
               <a:rPr lang="zh-TW" altLang="en-US" smtClean="0"/>
-              <a:t>2020/3/30</a:t>
+              <a:t>2020/5/18</a:t>
             </a:fld>
             <a:endParaRPr lang="zh-TW" altLang="en-US"/>
           </a:p>
@@ -2380,7 +2381,7 @@
           <a:p>
             <a:fld id="{77ACA44C-333E-48CC-BD68-D0D0E6E5B1EF}" type="datetimeFigureOut">
               <a:rPr lang="zh-TW" altLang="en-US" smtClean="0"/>
-              <a:t>2020/3/30</a:t>
+              <a:t>2020/5/18</a:t>
             </a:fld>
             <a:endParaRPr lang="zh-TW" altLang="en-US"/>
           </a:p>
@@ -2668,7 +2669,7 @@
           <a:p>
             <a:fld id="{77ACA44C-333E-48CC-BD68-D0D0E6E5B1EF}" type="datetimeFigureOut">
               <a:rPr lang="zh-TW" altLang="en-US" smtClean="0"/>
-              <a:t>2020/3/30</a:t>
+              <a:t>2020/5/18</a:t>
             </a:fld>
             <a:endParaRPr lang="zh-TW" altLang="en-US"/>
           </a:p>
@@ -2909,7 +2910,7 @@
           <a:p>
             <a:fld id="{77ACA44C-333E-48CC-BD68-D0D0E6E5B1EF}" type="datetimeFigureOut">
               <a:rPr lang="zh-TW" altLang="en-US" smtClean="0"/>
-              <a:t>2020/3/30</a:t>
+              <a:t>2020/5/18</a:t>
             </a:fld>
             <a:endParaRPr lang="zh-TW" altLang="en-US"/>
           </a:p>
@@ -3328,6 +3329,612 @@
       </p:grpSpPr>
       <p:grpSp>
         <p:nvGrpSpPr>
+          <p:cNvPr id="2" name="群組 1">
+            <a:extLst>
+              <a:ext uri="{FF2B5EF4-FFF2-40B4-BE49-F238E27FC236}">
+                <a16:creationId xmlns:a16="http://schemas.microsoft.com/office/drawing/2014/main" id="{8AD251E4-E0FB-454A-8A6E-B4169CA1BD3D}"/>
+              </a:ext>
+            </a:extLst>
+          </p:cNvPr>
+          <p:cNvGrpSpPr/>
+          <p:nvPr/>
+        </p:nvGrpSpPr>
+        <p:grpSpPr>
+          <a:xfrm>
+            <a:off x="2932039" y="2362139"/>
+            <a:ext cx="5030511" cy="2133721"/>
+            <a:chOff x="2932039" y="2362139"/>
+            <a:chExt cx="5030511" cy="2133721"/>
+          </a:xfrm>
+        </p:grpSpPr>
+        <p:grpSp>
+          <p:nvGrpSpPr>
+            <p:cNvPr id="5" name="群組 4">
+              <a:extLst>
+                <a:ext uri="{FF2B5EF4-FFF2-40B4-BE49-F238E27FC236}">
+                  <a16:creationId xmlns:a16="http://schemas.microsoft.com/office/drawing/2014/main" id="{7211B96F-79EB-4FE4-B6CB-6DEA67ED2488}"/>
+                </a:ext>
+              </a:extLst>
+            </p:cNvPr>
+            <p:cNvGrpSpPr/>
+            <p:nvPr/>
+          </p:nvGrpSpPr>
+          <p:grpSpPr>
+            <a:xfrm>
+              <a:off x="2932039" y="3471828"/>
+              <a:ext cx="1665129" cy="740456"/>
+              <a:chOff x="4190387" y="1054788"/>
+              <a:chExt cx="1665129" cy="740456"/>
+            </a:xfrm>
+          </p:grpSpPr>
+          <p:sp>
+            <p:nvSpPr>
+              <p:cNvPr id="6" name="矩形 5">
+                <a:extLst>
+                  <a:ext uri="{FF2B5EF4-FFF2-40B4-BE49-F238E27FC236}">
+                    <a16:creationId xmlns:a16="http://schemas.microsoft.com/office/drawing/2014/main" id="{294CE29F-7794-4F83-AC70-2D2F07F1FE22}"/>
+                  </a:ext>
+                </a:extLst>
+              </p:cNvPr>
+              <p:cNvSpPr/>
+              <p:nvPr/>
+            </p:nvSpPr>
+            <p:spPr>
+              <a:xfrm>
+                <a:off x="4190387" y="1054788"/>
+                <a:ext cx="1665129" cy="740456"/>
+              </a:xfrm>
+              <a:prstGeom prst="rect">
+                <a:avLst/>
+              </a:prstGeom>
+              <a:noFill/>
+              <a:ln>
+                <a:solidFill>
+                  <a:schemeClr val="tx1"/>
+                </a:solidFill>
+              </a:ln>
+            </p:spPr>
+            <p:style>
+              <a:lnRef idx="2">
+                <a:schemeClr val="accent1">
+                  <a:shade val="50000"/>
+                </a:schemeClr>
+              </a:lnRef>
+              <a:fillRef idx="1">
+                <a:schemeClr val="accent1"/>
+              </a:fillRef>
+              <a:effectRef idx="0">
+                <a:schemeClr val="accent1"/>
+              </a:effectRef>
+              <a:fontRef idx="minor">
+                <a:schemeClr val="lt1"/>
+              </a:fontRef>
+            </p:style>
+            <p:txBody>
+              <a:bodyPr rtlCol="0" anchor="ctr"/>
+              <a:lstStyle/>
+              <a:p>
+                <a:pPr algn="ctr"/>
+                <a:endParaRPr lang="zh-TW" altLang="en-US">
+                  <a:latin typeface="標楷體" panose="03000509000000000000" pitchFamily="65" charset="-120"/>
+                  <a:ea typeface="標楷體" panose="03000509000000000000" pitchFamily="65" charset="-120"/>
+                </a:endParaRPr>
+              </a:p>
+            </p:txBody>
+          </p:sp>
+          <p:sp>
+            <p:nvSpPr>
+              <p:cNvPr id="7" name="文字方塊 6">
+                <a:extLst>
+                  <a:ext uri="{FF2B5EF4-FFF2-40B4-BE49-F238E27FC236}">
+                    <a16:creationId xmlns:a16="http://schemas.microsoft.com/office/drawing/2014/main" id="{541D3130-24C5-4B9E-BE4E-199281EB2616}"/>
+                  </a:ext>
+                </a:extLst>
+              </p:cNvPr>
+              <p:cNvSpPr txBox="1"/>
+              <p:nvPr/>
+            </p:nvSpPr>
+            <p:spPr>
+              <a:xfrm>
+                <a:off x="4583599" y="1240350"/>
+                <a:ext cx="878704" cy="369332"/>
+              </a:xfrm>
+              <a:prstGeom prst="rect">
+                <a:avLst/>
+              </a:prstGeom>
+              <a:noFill/>
+            </p:spPr>
+            <p:txBody>
+              <a:bodyPr wrap="square" rtlCol="0">
+                <a:spAutoFit/>
+              </a:bodyPr>
+              <a:lstStyle/>
+              <a:p>
+                <a:r>
+                  <a:rPr lang="zh-TW" altLang="en-US" dirty="0">
+                    <a:latin typeface="標楷體" panose="03000509000000000000" pitchFamily="65" charset="-120"/>
+                    <a:ea typeface="標楷體" panose="03000509000000000000" pitchFamily="65" charset="-120"/>
+                  </a:rPr>
+                  <a:t>使用者</a:t>
+                </a:r>
+              </a:p>
+            </p:txBody>
+          </p:sp>
+        </p:grpSp>
+        <p:grpSp>
+          <p:nvGrpSpPr>
+            <p:cNvPr id="12" name="群組 11">
+              <a:extLst>
+                <a:ext uri="{FF2B5EF4-FFF2-40B4-BE49-F238E27FC236}">
+                  <a16:creationId xmlns:a16="http://schemas.microsoft.com/office/drawing/2014/main" id="{12CBDBAF-CCDE-4DF6-A091-F57A917D1A1E}"/>
+                </a:ext>
+              </a:extLst>
+            </p:cNvPr>
+            <p:cNvGrpSpPr/>
+            <p:nvPr/>
+          </p:nvGrpSpPr>
+          <p:grpSpPr>
+            <a:xfrm>
+              <a:off x="6611922" y="3186065"/>
+              <a:ext cx="1350628" cy="1309795"/>
+              <a:chOff x="5420685" y="2589436"/>
+              <a:chExt cx="1350628" cy="1309795"/>
+            </a:xfrm>
+          </p:grpSpPr>
+          <p:sp>
+            <p:nvSpPr>
+              <p:cNvPr id="9" name="橢圓 8">
+                <a:extLst>
+                  <a:ext uri="{FF2B5EF4-FFF2-40B4-BE49-F238E27FC236}">
+                    <a16:creationId xmlns:a16="http://schemas.microsoft.com/office/drawing/2014/main" id="{00AEE935-99DF-4203-AB25-2CE1D41B7F01}"/>
+                  </a:ext>
+                </a:extLst>
+              </p:cNvPr>
+              <p:cNvSpPr/>
+              <p:nvPr/>
+            </p:nvSpPr>
+            <p:spPr>
+              <a:xfrm>
+                <a:off x="5420685" y="2589436"/>
+                <a:ext cx="1350628" cy="1309795"/>
+              </a:xfrm>
+              <a:prstGeom prst="ellipse">
+                <a:avLst/>
+              </a:prstGeom>
+              <a:noFill/>
+              <a:ln>
+                <a:solidFill>
+                  <a:schemeClr val="tx1"/>
+                </a:solidFill>
+              </a:ln>
+            </p:spPr>
+            <p:style>
+              <a:lnRef idx="2">
+                <a:schemeClr val="accent1">
+                  <a:shade val="50000"/>
+                </a:schemeClr>
+              </a:lnRef>
+              <a:fillRef idx="1">
+                <a:schemeClr val="accent1"/>
+              </a:fillRef>
+              <a:effectRef idx="0">
+                <a:schemeClr val="accent1"/>
+              </a:effectRef>
+              <a:fontRef idx="minor">
+                <a:schemeClr val="lt1"/>
+              </a:fontRef>
+            </p:style>
+            <p:txBody>
+              <a:bodyPr rtlCol="0" anchor="ctr"/>
+              <a:lstStyle/>
+              <a:p>
+                <a:pPr algn="ctr"/>
+                <a:endParaRPr lang="zh-TW" altLang="en-US">
+                  <a:latin typeface="標楷體" panose="03000509000000000000" pitchFamily="65" charset="-120"/>
+                  <a:ea typeface="標楷體" panose="03000509000000000000" pitchFamily="65" charset="-120"/>
+                </a:endParaRPr>
+              </a:p>
+            </p:txBody>
+          </p:sp>
+          <p:sp>
+            <p:nvSpPr>
+              <p:cNvPr id="10" name="文字方塊 9">
+                <a:extLst>
+                  <a:ext uri="{FF2B5EF4-FFF2-40B4-BE49-F238E27FC236}">
+                    <a16:creationId xmlns:a16="http://schemas.microsoft.com/office/drawing/2014/main" id="{CF9D310A-FDCF-488B-BF6E-CBAB71491417}"/>
+                  </a:ext>
+                </a:extLst>
+              </p:cNvPr>
+              <p:cNvSpPr txBox="1"/>
+              <p:nvPr/>
+            </p:nvSpPr>
+            <p:spPr>
+              <a:xfrm>
+                <a:off x="5806580" y="2808087"/>
+                <a:ext cx="578840" cy="369332"/>
+              </a:xfrm>
+              <a:prstGeom prst="rect">
+                <a:avLst/>
+              </a:prstGeom>
+              <a:noFill/>
+            </p:spPr>
+            <p:txBody>
+              <a:bodyPr wrap="square" rtlCol="0">
+                <a:spAutoFit/>
+              </a:bodyPr>
+              <a:lstStyle/>
+              <a:p>
+                <a:r>
+                  <a:rPr lang="zh-TW" altLang="en-US">
+                    <a:latin typeface="標楷體" panose="03000509000000000000" pitchFamily="65" charset="-120"/>
+                    <a:ea typeface="標楷體" panose="03000509000000000000" pitchFamily="65" charset="-120"/>
+                  </a:rPr>
+                  <a:t>圖</a:t>
+                </a:r>
+                <a:r>
+                  <a:rPr lang="en-US" altLang="zh-TW" dirty="0">
+                    <a:latin typeface="標楷體" panose="03000509000000000000" pitchFamily="65" charset="-120"/>
+                    <a:ea typeface="標楷體" panose="03000509000000000000" pitchFamily="65" charset="-120"/>
+                  </a:rPr>
+                  <a:t>0</a:t>
+                </a:r>
+                <a:endParaRPr lang="zh-TW" altLang="en-US" dirty="0">
+                  <a:latin typeface="標楷體" panose="03000509000000000000" pitchFamily="65" charset="-120"/>
+                  <a:ea typeface="標楷體" panose="03000509000000000000" pitchFamily="65" charset="-120"/>
+                </a:endParaRPr>
+              </a:p>
+            </p:txBody>
+          </p:sp>
+          <p:sp>
+            <p:nvSpPr>
+              <p:cNvPr id="11" name="文字方塊 10">
+                <a:extLst>
+                  <a:ext uri="{FF2B5EF4-FFF2-40B4-BE49-F238E27FC236}">
+                    <a16:creationId xmlns:a16="http://schemas.microsoft.com/office/drawing/2014/main" id="{8A3C46E4-337D-42A1-8338-959D3A611DE1}"/>
+                  </a:ext>
+                </a:extLst>
+              </p:cNvPr>
+              <p:cNvSpPr txBox="1"/>
+              <p:nvPr/>
+            </p:nvSpPr>
+            <p:spPr>
+              <a:xfrm>
+                <a:off x="5530441" y="3244334"/>
+                <a:ext cx="1131117" cy="369332"/>
+              </a:xfrm>
+              <a:prstGeom prst="rect">
+                <a:avLst/>
+              </a:prstGeom>
+              <a:noFill/>
+            </p:spPr>
+            <p:txBody>
+              <a:bodyPr wrap="square" rtlCol="0">
+                <a:spAutoFit/>
+              </a:bodyPr>
+              <a:lstStyle/>
+              <a:p>
+                <a:r>
+                  <a:rPr lang="zh-TW" altLang="en-US" dirty="0">
+                    <a:latin typeface="標楷體" panose="03000509000000000000" pitchFamily="65" charset="-120"/>
+                    <a:ea typeface="標楷體" panose="03000509000000000000" pitchFamily="65" charset="-120"/>
+                  </a:rPr>
+                  <a:t>面相卜手</a:t>
+                </a:r>
+              </a:p>
+            </p:txBody>
+          </p:sp>
+        </p:grpSp>
+        <p:cxnSp>
+          <p:nvCxnSpPr>
+            <p:cNvPr id="16" name="直線單箭頭接點 15">
+              <a:extLst>
+                <a:ext uri="{FF2B5EF4-FFF2-40B4-BE49-F238E27FC236}">
+                  <a16:creationId xmlns:a16="http://schemas.microsoft.com/office/drawing/2014/main" id="{21CBA056-FAF1-473E-8FB8-B629635B4932}"/>
+                </a:ext>
+              </a:extLst>
+            </p:cNvPr>
+            <p:cNvCxnSpPr>
+              <a:stCxn id="9" idx="3"/>
+            </p:cNvCxnSpPr>
+            <p:nvPr/>
+          </p:nvCxnSpPr>
+          <p:spPr>
+            <a:xfrm flipH="1" flipV="1">
+              <a:off x="4597168" y="4210295"/>
+              <a:ext cx="2212549" cy="93750"/>
+            </a:xfrm>
+            <a:prstGeom prst="straightConnector1">
+              <a:avLst/>
+            </a:prstGeom>
+            <a:ln>
+              <a:tailEnd type="triangle"/>
+            </a:ln>
+          </p:spPr>
+          <p:style>
+            <a:lnRef idx="1">
+              <a:schemeClr val="dk1"/>
+            </a:lnRef>
+            <a:fillRef idx="0">
+              <a:schemeClr val="dk1"/>
+            </a:fillRef>
+            <a:effectRef idx="0">
+              <a:schemeClr val="dk1"/>
+            </a:effectRef>
+            <a:fontRef idx="minor">
+              <a:schemeClr val="tx1"/>
+            </a:fontRef>
+          </p:style>
+        </p:cxnSp>
+        <p:cxnSp>
+          <p:nvCxnSpPr>
+            <p:cNvPr id="18" name="直線單箭頭接點 17">
+              <a:extLst>
+                <a:ext uri="{FF2B5EF4-FFF2-40B4-BE49-F238E27FC236}">
+                  <a16:creationId xmlns:a16="http://schemas.microsoft.com/office/drawing/2014/main" id="{C3ECDC2B-28DA-4F30-BC30-3421C7C68F32}"/>
+                </a:ext>
+              </a:extLst>
+            </p:cNvPr>
+            <p:cNvCxnSpPr>
+              <a:endCxn id="9" idx="1"/>
+            </p:cNvCxnSpPr>
+            <p:nvPr/>
+          </p:nvCxnSpPr>
+          <p:spPr>
+            <a:xfrm flipV="1">
+              <a:off x="4597168" y="3377880"/>
+              <a:ext cx="2212549" cy="93948"/>
+            </a:xfrm>
+            <a:prstGeom prst="straightConnector1">
+              <a:avLst/>
+            </a:prstGeom>
+            <a:ln>
+              <a:tailEnd type="triangle"/>
+            </a:ln>
+          </p:spPr>
+          <p:style>
+            <a:lnRef idx="1">
+              <a:schemeClr val="dk1"/>
+            </a:lnRef>
+            <a:fillRef idx="0">
+              <a:schemeClr val="dk1"/>
+            </a:fillRef>
+            <a:effectRef idx="0">
+              <a:schemeClr val="dk1"/>
+            </a:effectRef>
+            <a:fontRef idx="minor">
+              <a:schemeClr val="tx1"/>
+            </a:fontRef>
+          </p:style>
+        </p:cxnSp>
+        <p:sp>
+          <p:nvSpPr>
+            <p:cNvPr id="19" name="文字方塊 18">
+              <a:extLst>
+                <a:ext uri="{FF2B5EF4-FFF2-40B4-BE49-F238E27FC236}">
+                  <a16:creationId xmlns:a16="http://schemas.microsoft.com/office/drawing/2014/main" id="{B73CABC2-EBAF-4559-870E-324454EB5963}"/>
+                </a:ext>
+              </a:extLst>
+            </p:cNvPr>
+            <p:cNvSpPr txBox="1"/>
+            <p:nvPr/>
+          </p:nvSpPr>
+          <p:spPr>
+            <a:xfrm>
+              <a:off x="5217953" y="3289495"/>
+              <a:ext cx="805343" cy="276999"/>
+            </a:xfrm>
+            <a:prstGeom prst="rect">
+              <a:avLst/>
+            </a:prstGeom>
+            <a:solidFill>
+              <a:schemeClr val="bg1"/>
+            </a:solidFill>
+          </p:spPr>
+          <p:txBody>
+            <a:bodyPr wrap="square" rtlCol="0">
+              <a:spAutoFit/>
+            </a:bodyPr>
+            <a:lstStyle/>
+            <a:p>
+              <a:pPr algn="ctr"/>
+              <a:r>
+                <a:rPr lang="zh-TW" altLang="en-US" sz="1200" dirty="0">
+                  <a:latin typeface="標楷體" panose="03000509000000000000" pitchFamily="65" charset="-120"/>
+                  <a:ea typeface="標楷體" panose="03000509000000000000" pitchFamily="65" charset="-120"/>
+                </a:rPr>
+                <a:t>臉部照片</a:t>
+              </a:r>
+            </a:p>
+          </p:txBody>
+        </p:sp>
+        <p:sp>
+          <p:nvSpPr>
+            <p:cNvPr id="20" name="文字方塊 19">
+              <a:extLst>
+                <a:ext uri="{FF2B5EF4-FFF2-40B4-BE49-F238E27FC236}">
+                  <a16:creationId xmlns:a16="http://schemas.microsoft.com/office/drawing/2014/main" id="{D217FD91-8873-48BE-B103-8B76698F3A46}"/>
+                </a:ext>
+              </a:extLst>
+            </p:cNvPr>
+            <p:cNvSpPr txBox="1"/>
+            <p:nvPr/>
+          </p:nvSpPr>
+          <p:spPr>
+            <a:xfrm>
+              <a:off x="5217952" y="4071795"/>
+              <a:ext cx="805343" cy="276999"/>
+            </a:xfrm>
+            <a:prstGeom prst="rect">
+              <a:avLst/>
+            </a:prstGeom>
+            <a:solidFill>
+              <a:schemeClr val="bg1"/>
+            </a:solidFill>
+          </p:spPr>
+          <p:txBody>
+            <a:bodyPr wrap="square" rtlCol="0">
+              <a:spAutoFit/>
+            </a:bodyPr>
+            <a:lstStyle/>
+            <a:p>
+              <a:pPr algn="ctr"/>
+              <a:r>
+                <a:rPr lang="zh-TW" altLang="en-US" sz="1200" dirty="0">
+                  <a:latin typeface="標楷體" panose="03000509000000000000" pitchFamily="65" charset="-120"/>
+                  <a:ea typeface="標楷體" panose="03000509000000000000" pitchFamily="65" charset="-120"/>
+                </a:rPr>
+                <a:t>占卜結果</a:t>
+              </a:r>
+            </a:p>
+          </p:txBody>
+        </p:sp>
+        <p:grpSp>
+          <p:nvGrpSpPr>
+            <p:cNvPr id="21" name="群組 20">
+              <a:extLst>
+                <a:ext uri="{FF2B5EF4-FFF2-40B4-BE49-F238E27FC236}">
+                  <a16:creationId xmlns:a16="http://schemas.microsoft.com/office/drawing/2014/main" id="{142B892B-A594-48BB-8A28-DB0BB71C2BEB}"/>
+                </a:ext>
+              </a:extLst>
+            </p:cNvPr>
+            <p:cNvGrpSpPr/>
+            <p:nvPr/>
+          </p:nvGrpSpPr>
+          <p:grpSpPr>
+            <a:xfrm>
+              <a:off x="3688446" y="2362139"/>
+              <a:ext cx="1665129" cy="740456"/>
+              <a:chOff x="4190387" y="1054788"/>
+              <a:chExt cx="1665129" cy="740456"/>
+            </a:xfrm>
+          </p:grpSpPr>
+          <p:sp>
+            <p:nvSpPr>
+              <p:cNvPr id="22" name="矩形 21">
+                <a:extLst>
+                  <a:ext uri="{FF2B5EF4-FFF2-40B4-BE49-F238E27FC236}">
+                    <a16:creationId xmlns:a16="http://schemas.microsoft.com/office/drawing/2014/main" id="{4264E25E-7C97-455B-B52C-02D1F8AEDE0E}"/>
+                  </a:ext>
+                </a:extLst>
+              </p:cNvPr>
+              <p:cNvSpPr/>
+              <p:nvPr/>
+            </p:nvSpPr>
+            <p:spPr>
+              <a:xfrm>
+                <a:off x="4190387" y="1054788"/>
+                <a:ext cx="1665129" cy="740456"/>
+              </a:xfrm>
+              <a:prstGeom prst="rect">
+                <a:avLst/>
+              </a:prstGeom>
+              <a:noFill/>
+              <a:ln>
+                <a:solidFill>
+                  <a:schemeClr val="tx1"/>
+                </a:solidFill>
+              </a:ln>
+            </p:spPr>
+            <p:style>
+              <a:lnRef idx="2">
+                <a:schemeClr val="accent1">
+                  <a:shade val="50000"/>
+                </a:schemeClr>
+              </a:lnRef>
+              <a:fillRef idx="1">
+                <a:schemeClr val="accent1"/>
+              </a:fillRef>
+              <a:effectRef idx="0">
+                <a:schemeClr val="accent1"/>
+              </a:effectRef>
+              <a:fontRef idx="minor">
+                <a:schemeClr val="lt1"/>
+              </a:fontRef>
+            </p:style>
+            <p:txBody>
+              <a:bodyPr rtlCol="0" anchor="ctr"/>
+              <a:lstStyle/>
+              <a:p>
+                <a:pPr algn="ctr"/>
+                <a:endParaRPr lang="zh-TW" altLang="en-US">
+                  <a:latin typeface="標楷體" panose="03000509000000000000" pitchFamily="65" charset="-120"/>
+                  <a:ea typeface="標楷體" panose="03000509000000000000" pitchFamily="65" charset="-120"/>
+                </a:endParaRPr>
+              </a:p>
+            </p:txBody>
+          </p:sp>
+          <p:sp>
+            <p:nvSpPr>
+              <p:cNvPr id="23" name="文字方塊 22">
+                <a:extLst>
+                  <a:ext uri="{FF2B5EF4-FFF2-40B4-BE49-F238E27FC236}">
+                    <a16:creationId xmlns:a16="http://schemas.microsoft.com/office/drawing/2014/main" id="{017034EA-8072-4BF2-99E1-5B510484B50C}"/>
+                  </a:ext>
+                </a:extLst>
+              </p:cNvPr>
+              <p:cNvSpPr txBox="1"/>
+              <p:nvPr/>
+            </p:nvSpPr>
+            <p:spPr>
+              <a:xfrm>
+                <a:off x="4347637" y="1241246"/>
+                <a:ext cx="1350627" cy="369332"/>
+              </a:xfrm>
+              <a:prstGeom prst="rect">
+                <a:avLst/>
+              </a:prstGeom>
+              <a:noFill/>
+            </p:spPr>
+            <p:txBody>
+              <a:bodyPr wrap="square" rtlCol="0">
+                <a:spAutoFit/>
+              </a:bodyPr>
+              <a:lstStyle/>
+              <a:p>
+                <a:r>
+                  <a:rPr lang="zh-TW" altLang="en-US" dirty="0">
+                    <a:latin typeface="標楷體" panose="03000509000000000000" pitchFamily="65" charset="-120"/>
+                    <a:ea typeface="標楷體" panose="03000509000000000000" pitchFamily="65" charset="-120"/>
+                  </a:rPr>
+                  <a:t>外部關係圖</a:t>
+                </a:r>
+              </a:p>
+            </p:txBody>
+          </p:sp>
+        </p:grpSp>
+      </p:grpSp>
+    </p:spTree>
+    <p:extLst>
+      <p:ext uri="{BB962C8B-B14F-4D97-AF65-F5344CB8AC3E}">
+        <p14:creationId xmlns:p14="http://schemas.microsoft.com/office/powerpoint/2010/main" val="3536128416"/>
+      </p:ext>
+    </p:extLst>
+  </p:cSld>
+  <p:clrMapOvr>
+    <a:masterClrMapping/>
+  </p:clrMapOvr>
+</p:sld>
+</file>
+
+<file path=ppt/slides/slide2.xml><?xml version="1.0" encoding="utf-8"?>
+<p:sld xmlns:a="http://schemas.openxmlformats.org/drawingml/2006/main" xmlns:r="http://schemas.openxmlformats.org/officeDocument/2006/relationships" xmlns:p="http://schemas.openxmlformats.org/presentationml/2006/main">
+  <p:cSld>
+    <p:spTree>
+      <p:nvGrpSpPr>
+        <p:cNvPr id="1" name=""/>
+        <p:cNvGrpSpPr/>
+        <p:nvPr/>
+      </p:nvGrpSpPr>
+      <p:grpSpPr>
+        <a:xfrm>
+          <a:off x="0" y="0"/>
+          <a:ext cx="0" cy="0"/>
+          <a:chOff x="0" y="0"/>
+          <a:chExt cx="0" cy="0"/>
+        </a:xfrm>
+      </p:grpSpPr>
+      <p:grpSp>
+        <p:nvGrpSpPr>
           <p:cNvPr id="5" name="群組 4">
             <a:extLst>
               <a:ext uri="{FF2B5EF4-FFF2-40B4-BE49-F238E27FC236}">
